--- a/Коллекции_v4.pptx
+++ b/Коллекции_v4.pptx
@@ -18285,7 +18285,7 @@
         </p:spPr>
         <p:txBody>
           <a:bodyPr vert="horz" lIns="91440" tIns="45720" rIns="91440" bIns="45720" rtlCol="0">
-            <a:normAutofit/>
+            <a:normAutofit lnSpcReduction="10000"/>
           </a:bodyPr>
           <a:lstStyle>
             <a:defPPr>
@@ -18498,6 +18498,22 @@
               </a:rPr>
               <a:t> ключа</a:t>
             </a:r>
+            <a:r>
+              <a:rPr lang="en-US" dirty="0">
+                <a:solidFill>
+                  <a:srgbClr val="DDDDDD"/>
+                </a:solidFill>
+              </a:rPr>
+              <a:t> </a:t>
+            </a:r>
+            <a:r>
+              <a:rPr lang="ru-RU" dirty="0">
+                <a:solidFill>
+                  <a:srgbClr val="DDDDDD"/>
+                </a:solidFill>
+              </a:rPr>
+              <a:t>по его Хэш функции</a:t>
+            </a:r>
           </a:p>
           <a:p>
             <a:pPr marL="342900" indent="-342900">
@@ -18521,7 +18537,39 @@
                   <a:srgbClr val="DDDDDD"/>
                 </a:solidFill>
               </a:rPr>
-              <a:t>) на 16 элементов</a:t>
+              <a:t>) на </a:t>
+            </a:r>
+            <a:r>
+              <a:rPr lang="en-US" dirty="0">
+                <a:solidFill>
+                  <a:srgbClr val="FF423F"/>
+                </a:solidFill>
+              </a:rPr>
+              <a:t>N</a:t>
+            </a:r>
+            <a:r>
+              <a:rPr lang="ru-RU" dirty="0">
+                <a:solidFill>
+                  <a:srgbClr val="DDDDDD"/>
+                </a:solidFill>
+              </a:rPr>
+              <a:t> элементов</a:t>
+            </a:r>
+            <a:r>
+              <a:rPr lang="en-US" dirty="0">
+                <a:solidFill>
+                  <a:srgbClr val="DDDDDD"/>
+                </a:solidFill>
+              </a:rPr>
+              <a:t> (</a:t>
+            </a:r>
+            <a:r>
+              <a:rPr lang="ru-RU" dirty="0">
+                <a:solidFill>
+                  <a:srgbClr val="DDDDDD"/>
+                </a:solidFill>
+              </a:rPr>
+              <a:t>по умолчанию 16)</a:t>
             </a:r>
           </a:p>
           <a:p>

--- a/Коллекции_v4.pptx
+++ b/Коллекции_v4.pptx
@@ -295,7 +295,7 @@
           <a:p>
             <a:fld id="{547B99C5-9E73-4D85-8495-5EC431CC6481}" type="datetimeFigureOut">
               <a:rPr lang="ru-RU" smtClean="0"/>
-              <a:t>28.02.2025</a:t>
+              <a:t>10.03.2025</a:t>
             </a:fld>
             <a:endParaRPr lang="ru-RU"/>
           </a:p>
@@ -7245,7 +7245,7 @@
           <a:p>
             <a:fld id="{6D05CBBA-D782-497D-B3B5-452762B3B9E7}" type="datetimeFigureOut">
               <a:rPr lang="ru-RU" smtClean="0"/>
-              <a:t>28.02.2025</a:t>
+              <a:t>10.03.2025</a:t>
             </a:fld>
             <a:endParaRPr lang="ru-RU"/>
           </a:p>
@@ -7415,7 +7415,7 @@
           <a:p>
             <a:fld id="{6D05CBBA-D782-497D-B3B5-452762B3B9E7}" type="datetimeFigureOut">
               <a:rPr lang="ru-RU" smtClean="0"/>
-              <a:t>28.02.2025</a:t>
+              <a:t>10.03.2025</a:t>
             </a:fld>
             <a:endParaRPr lang="ru-RU"/>
           </a:p>
@@ -7595,7 +7595,7 @@
           <a:p>
             <a:fld id="{6D05CBBA-D782-497D-B3B5-452762B3B9E7}" type="datetimeFigureOut">
               <a:rPr lang="ru-RU" smtClean="0"/>
-              <a:t>28.02.2025</a:t>
+              <a:t>10.03.2025</a:t>
             </a:fld>
             <a:endParaRPr lang="ru-RU"/>
           </a:p>
@@ -7811,7 +7811,7 @@
           <a:p>
             <a:fld id="{6D05CBBA-D782-497D-B3B5-452762B3B9E7}" type="datetimeFigureOut">
               <a:rPr lang="ru-RU" smtClean="0"/>
-              <a:t>28.02.2025</a:t>
+              <a:t>10.03.2025</a:t>
             </a:fld>
             <a:endParaRPr lang="ru-RU"/>
           </a:p>
@@ -8078,7 +8078,7 @@
           <a:p>
             <a:fld id="{6D05CBBA-D782-497D-B3B5-452762B3B9E7}" type="datetimeFigureOut">
               <a:rPr lang="ru-RU" smtClean="0"/>
-              <a:t>28.02.2025</a:t>
+              <a:t>10.03.2025</a:t>
             </a:fld>
             <a:endParaRPr lang="ru-RU"/>
           </a:p>
@@ -8310,7 +8310,7 @@
           <a:p>
             <a:fld id="{6D05CBBA-D782-497D-B3B5-452762B3B9E7}" type="datetimeFigureOut">
               <a:rPr lang="ru-RU" smtClean="0"/>
-              <a:t>28.02.2025</a:t>
+              <a:t>10.03.2025</a:t>
             </a:fld>
             <a:endParaRPr lang="ru-RU"/>
           </a:p>
@@ -8677,7 +8677,7 @@
           <a:p>
             <a:fld id="{6D05CBBA-D782-497D-B3B5-452762B3B9E7}" type="datetimeFigureOut">
               <a:rPr lang="ru-RU" smtClean="0"/>
-              <a:t>28.02.2025</a:t>
+              <a:t>10.03.2025</a:t>
             </a:fld>
             <a:endParaRPr lang="ru-RU"/>
           </a:p>
@@ -8795,7 +8795,7 @@
           <a:p>
             <a:fld id="{6D05CBBA-D782-497D-B3B5-452762B3B9E7}" type="datetimeFigureOut">
               <a:rPr lang="ru-RU" smtClean="0"/>
-              <a:t>28.02.2025</a:t>
+              <a:t>10.03.2025</a:t>
             </a:fld>
             <a:endParaRPr lang="ru-RU"/>
           </a:p>
@@ -8890,7 +8890,7 @@
           <a:p>
             <a:fld id="{6D05CBBA-D782-497D-B3B5-452762B3B9E7}" type="datetimeFigureOut">
               <a:rPr lang="ru-RU" smtClean="0"/>
-              <a:t>28.02.2025</a:t>
+              <a:t>10.03.2025</a:t>
             </a:fld>
             <a:endParaRPr lang="ru-RU"/>
           </a:p>
@@ -9167,7 +9167,7 @@
           <a:p>
             <a:fld id="{6D05CBBA-D782-497D-B3B5-452762B3B9E7}" type="datetimeFigureOut">
               <a:rPr lang="ru-RU" smtClean="0"/>
-              <a:t>28.02.2025</a:t>
+              <a:t>10.03.2025</a:t>
             </a:fld>
             <a:endParaRPr lang="ru-RU"/>
           </a:p>
@@ -9424,7 +9424,7 @@
           <a:p>
             <a:fld id="{6D05CBBA-D782-497D-B3B5-452762B3B9E7}" type="datetimeFigureOut">
               <a:rPr lang="ru-RU" smtClean="0"/>
-              <a:t>28.02.2025</a:t>
+              <a:t>10.03.2025</a:t>
             </a:fld>
             <a:endParaRPr lang="ru-RU"/>
           </a:p>
@@ -9651,7 +9651,7 @@
           <a:p>
             <a:fld id="{6D05CBBA-D782-497D-B3B5-452762B3B9E7}" type="datetimeFigureOut">
               <a:rPr lang="ru-RU" smtClean="0"/>
-              <a:t>28.02.2025</a:t>
+              <a:t>10.03.2025</a:t>
             </a:fld>
             <a:endParaRPr lang="ru-RU"/>
           </a:p>
@@ -17688,7 +17688,7 @@
         <p:spPr>
           <a:xfrm>
             <a:off x="515938" y="662800"/>
-            <a:ext cx="6015493" cy="3673796"/>
+            <a:ext cx="6046227" cy="4769812"/>
           </a:xfrm>
           <a:prstGeom prst="rect">
             <a:avLst/>
@@ -18093,6 +18093,106 @@
               </a:rPr>
               <a:t>.</a:t>
             </a:r>
+          </a:p>
+          <a:p>
+            <a:pPr marL="0" indent="0">
+              <a:buNone/>
+            </a:pPr>
+            <a:r>
+              <a:rPr lang="ru-RU" dirty="0" err="1">
+                <a:solidFill>
+                  <a:srgbClr val="BC5CFF"/>
+                </a:solidFill>
+                <a:latin typeface="-apple-system"/>
+              </a:rPr>
+              <a:t>threshold</a:t>
+            </a:r>
+            <a:r>
+              <a:rPr lang="ru-RU" dirty="0">
+                <a:latin typeface="-apple-system"/>
+              </a:rPr>
+              <a:t> — предельное количество элементов, при достижении которого размер хэш-таблицы увеличивается вдвое. Рассчитывается по формуле (</a:t>
+            </a:r>
+            <a:r>
+              <a:rPr lang="ru-RU" dirty="0" err="1">
+                <a:solidFill>
+                  <a:srgbClr val="BC5CFF"/>
+                </a:solidFill>
+                <a:latin typeface="-apple-system"/>
+              </a:rPr>
+              <a:t>capacity</a:t>
+            </a:r>
+            <a:r>
+              <a:rPr lang="ru-RU" dirty="0">
+                <a:latin typeface="-apple-system"/>
+              </a:rPr>
+              <a:t> * </a:t>
+            </a:r>
+            <a:r>
+              <a:rPr lang="ru-RU" dirty="0" err="1">
+                <a:solidFill>
+                  <a:srgbClr val="BC5CFF"/>
+                </a:solidFill>
+                <a:latin typeface="-apple-system"/>
+              </a:rPr>
+              <a:t>loadFactor</a:t>
+            </a:r>
+            <a:r>
+              <a:rPr lang="ru-RU" dirty="0">
+                <a:latin typeface="-apple-system"/>
+              </a:rPr>
+              <a:t>);</a:t>
+            </a:r>
+            <a:endParaRPr lang="en-US" dirty="0">
+              <a:latin typeface="-apple-system"/>
+            </a:endParaRPr>
+          </a:p>
+          <a:p>
+            <a:pPr marL="0" indent="0">
+              <a:buNone/>
+            </a:pPr>
+            <a:r>
+              <a:rPr lang="ru-RU" dirty="0">
+                <a:solidFill>
+                  <a:srgbClr val="BC5CFF"/>
+                </a:solidFill>
+                <a:latin typeface="-apple-system"/>
+              </a:rPr>
+              <a:t>с</a:t>
+            </a:r>
+            <a:r>
+              <a:rPr lang="en-US" dirty="0" err="1">
+                <a:solidFill>
+                  <a:srgbClr val="BC5CFF"/>
+                </a:solidFill>
+                <a:latin typeface="-apple-system"/>
+              </a:rPr>
+              <a:t>apacity</a:t>
+            </a:r>
+            <a:r>
+              <a:rPr lang="en-US" dirty="0">
+                <a:latin typeface="-apple-system"/>
+              </a:rPr>
+              <a:t> –</a:t>
+            </a:r>
+            <a:r>
+              <a:rPr lang="ru-RU" dirty="0">
+                <a:latin typeface="-apple-system"/>
+              </a:rPr>
+              <a:t>число корзин</a:t>
+            </a:r>
+          </a:p>
+          <a:p>
+            <a:pPr marL="0" indent="0">
+              <a:buNone/>
+            </a:pPr>
+            <a:endParaRPr lang="ru-RU" b="0" i="0" dirty="0">
+              <a:solidFill>
+                <a:srgbClr val="DDDDDD"/>
+              </a:solidFill>
+              <a:effectLst/>
+              <a:latin typeface="-apple-system"/>
+            </a:endParaRPr>
           </a:p>
         </p:txBody>
       </p:sp>
@@ -18154,7 +18254,7 @@
         </p:blipFill>
         <p:spPr>
           <a:xfrm>
-            <a:off x="515938" y="4500024"/>
+            <a:off x="609540" y="5533404"/>
             <a:ext cx="10972919" cy="1195925"/>
           </a:xfrm>
           <a:prstGeom prst="rect">
